--- a/Group Documents/ECE411 Team 11 Suspicious Package Training Aid.pptx
+++ b/Group Documents/ECE411 Team 11 Suspicious Package Training Aid.pptx
@@ -228,7 +228,7 @@
           <a:p>
             <a:fld id="{24CE221E-83ED-4F6C-BA5F-3F9E6FDB6953}" type="datetimeFigureOut">
               <a:rPr lang="en-US"/>
-              <a:t>12/11/2014</a:t>
+              <a:t>12/12/2014</a:t>
             </a:fld>
             <a:endParaRPr dirty="0"/>
           </a:p>
@@ -393,7 +393,7 @@
           <a:p>
             <a:fld id="{97853E5F-CE67-483C-A264-F17AC70E9CA2}" type="datetimeFigureOut">
               <a:rPr lang="en-US"/>
-              <a:t>12/11/2014</a:t>
+              <a:t>12/12/2014</a:t>
             </a:fld>
             <a:endParaRPr dirty="0"/>
           </a:p>
@@ -867,7 +867,7 @@
           <a:p>
             <a:fld id="{3E0FA9E5-6744-4841-888F-9E7CC0C2B7EC}" type="datetimeFigureOut">
               <a:rPr lang="en-US"/>
-              <a:t>12/11/2014</a:t>
+              <a:t>12/12/2014</a:t>
             </a:fld>
             <a:endParaRPr dirty="0"/>
           </a:p>
@@ -1056,7 +1056,7 @@
           <a:p>
             <a:fld id="{3E0FA9E5-6744-4841-888F-9E7CC0C2B7EC}" type="datetimeFigureOut">
               <a:rPr lang="en-US"/>
-              <a:t>12/11/2014</a:t>
+              <a:t>12/12/2014</a:t>
             </a:fld>
             <a:endParaRPr dirty="0"/>
           </a:p>
@@ -1255,7 +1255,7 @@
           <a:p>
             <a:fld id="{3E0FA9E5-6744-4841-888F-9E7CC0C2B7EC}" type="datetimeFigureOut">
               <a:rPr lang="en-US"/>
-              <a:t>12/11/2014</a:t>
+              <a:t>12/12/2014</a:t>
             </a:fld>
             <a:endParaRPr dirty="0"/>
           </a:p>
@@ -1444,7 +1444,7 @@
           <a:p>
             <a:fld id="{3E0FA9E5-6744-4841-888F-9E7CC0C2B7EC}" type="datetimeFigureOut">
               <a:rPr lang="en-US"/>
-              <a:t>12/11/2014</a:t>
+              <a:t>12/12/2014</a:t>
             </a:fld>
             <a:endParaRPr dirty="0"/>
           </a:p>
@@ -1731,7 +1731,7 @@
           <a:p>
             <a:fld id="{3E0FA9E5-6744-4841-888F-9E7CC0C2B7EC}" type="datetimeFigureOut">
               <a:rPr lang="en-US"/>
-              <a:t>12/11/2014</a:t>
+              <a:t>12/12/2014</a:t>
             </a:fld>
             <a:endParaRPr dirty="0"/>
           </a:p>
@@ -2042,7 +2042,7 @@
           <a:p>
             <a:fld id="{3E0FA9E5-6744-4841-888F-9E7CC0C2B7EC}" type="datetimeFigureOut">
               <a:rPr lang="en-US"/>
-              <a:t>12/11/2014</a:t>
+              <a:t>12/12/2014</a:t>
             </a:fld>
             <a:endParaRPr dirty="0"/>
           </a:p>
@@ -2497,7 +2497,7 @@
           <a:p>
             <a:fld id="{3E0FA9E5-6744-4841-888F-9E7CC0C2B7EC}" type="datetimeFigureOut">
               <a:rPr lang="en-US"/>
-              <a:t>12/11/2014</a:t>
+              <a:t>12/12/2014</a:t>
             </a:fld>
             <a:endParaRPr dirty="0"/>
           </a:p>
@@ -2634,7 +2634,7 @@
           <a:p>
             <a:fld id="{3E0FA9E5-6744-4841-888F-9E7CC0C2B7EC}" type="datetimeFigureOut">
               <a:rPr lang="en-US"/>
-              <a:t>12/11/2014</a:t>
+              <a:t>12/12/2014</a:t>
             </a:fld>
             <a:endParaRPr dirty="0"/>
           </a:p>
@@ -2762,7 +2762,7 @@
           <a:p>
             <a:fld id="{3E0FA9E5-6744-4841-888F-9E7CC0C2B7EC}" type="datetimeFigureOut">
               <a:rPr lang="en-US"/>
-              <a:t>12/11/2014</a:t>
+              <a:t>12/12/2014</a:t>
             </a:fld>
             <a:endParaRPr dirty="0"/>
           </a:p>
@@ -3091,7 +3091,7 @@
           <a:p>
             <a:fld id="{3E0FA9E5-6744-4841-888F-9E7CC0C2B7EC}" type="datetimeFigureOut">
               <a:rPr lang="en-US"/>
-              <a:t>12/11/2014</a:t>
+              <a:t>12/12/2014</a:t>
             </a:fld>
             <a:endParaRPr dirty="0"/>
           </a:p>
@@ -3580,7 +3580,7 @@
             <a:fld id="{3E0FA9E5-6744-4841-888F-9E7CC0C2B7EC}" type="datetimeFigureOut">
               <a:rPr lang="en-US"/>
               <a:pPr/>
-              <a:t>12/11/2014</a:t>
+              <a:t>12/12/2014</a:t>
             </a:fld>
             <a:endParaRPr dirty="0"/>
           </a:p>
@@ -4127,11 +4127,7 @@
           <a:p>
             <a:r>
               <a:rPr lang="en-US" dirty="0" smtClean="0"/>
-              <a:t>Devin </a:t>
-            </a:r>
-            <a:r>
-              <a:rPr lang="en-US" dirty="0" smtClean="0"/>
-              <a:t>Lorenzen</a:t>
+              <a:t>Devin Lorenzen</a:t>
             </a:r>
             <a:endParaRPr lang="en-US" dirty="0"/>
           </a:p>
@@ -4365,13 +4361,13 @@
   <p:clrMapOvr>
     <a:masterClrMapping/>
   </p:clrMapOvr>
-  <mc:AlternateContent xmlns:mc="http://schemas.openxmlformats.org/markup-compatibility/2006">
-    <mc:Choice xmlns:p14="http://schemas.microsoft.com/office/powerpoint/2010/main" Requires="p14">
+  <mc:AlternateContent xmlns:mc="http://schemas.openxmlformats.org/markup-compatibility/2006" xmlns:p14="http://schemas.microsoft.com/office/powerpoint/2010/main">
+    <mc:Choice Requires="p14">
       <p:transition spd="med" p14:dur="700">
         <p:fade/>
       </p:transition>
     </mc:Choice>
-    <mc:Fallback>
+    <mc:Fallback xmlns="">
       <p:transition spd="med">
         <p:fade/>
       </p:transition>
@@ -4780,13 +4776,13 @@
   <p:clrMapOvr>
     <a:masterClrMapping/>
   </p:clrMapOvr>
-  <mc:AlternateContent xmlns:mc="http://schemas.openxmlformats.org/markup-compatibility/2006">
-    <mc:Choice xmlns:p14="http://schemas.microsoft.com/office/powerpoint/2010/main" Requires="p14">
+  <mc:AlternateContent xmlns:mc="http://schemas.openxmlformats.org/markup-compatibility/2006" xmlns:p14="http://schemas.microsoft.com/office/powerpoint/2010/main">
+    <mc:Choice Requires="p14">
       <p:transition spd="med" p14:dur="700">
         <p:fade/>
       </p:transition>
     </mc:Choice>
-    <mc:Fallback>
+    <mc:Fallback xmlns="">
       <p:transition spd="med">
         <p:fade/>
       </p:transition>
@@ -6200,7 +6196,6 @@
               <a:rPr lang="en-US" dirty="0" smtClean="0"/>
               <a:t>A request for a training aid from the Oregon Zoo.</a:t>
             </a:r>
-            <a:endParaRPr lang="en-US" dirty="0" smtClean="0"/>
           </a:p>
           <a:p>
             <a:r>
@@ -6213,7 +6208,6 @@
               <a:rPr lang="en-US" dirty="0" smtClean="0"/>
               <a:t>The unattended package needs to be isolated and unmoved.</a:t>
             </a:r>
-            <a:endParaRPr lang="en-US" dirty="0" smtClean="0"/>
           </a:p>
           <a:p>
             <a:r>
@@ -6530,13 +6524,13 @@
   <p:clrMapOvr>
     <a:masterClrMapping/>
   </p:clrMapOvr>
-  <mc:AlternateContent xmlns:mc="http://schemas.openxmlformats.org/markup-compatibility/2006">
-    <mc:Choice xmlns:p14="http://schemas.microsoft.com/office/powerpoint/2010/main" Requires="p14">
+  <mc:AlternateContent xmlns:mc="http://schemas.openxmlformats.org/markup-compatibility/2006" xmlns:p14="http://schemas.microsoft.com/office/powerpoint/2010/main">
+    <mc:Choice Requires="p14">
       <p:transition spd="med" p14:dur="700">
         <p:fade/>
       </p:transition>
     </mc:Choice>
-    <mc:Fallback>
+    <mc:Fallback xmlns="">
       <p:transition spd="med">
         <p:fade/>
       </p:transition>
@@ -6805,7 +6799,6 @@
               <a:rPr lang="en-US" dirty="0" smtClean="0"/>
               <a:t>Vibration sensor</a:t>
             </a:r>
-            <a:endParaRPr lang="en-US" dirty="0" smtClean="0"/>
           </a:p>
           <a:p>
             <a:r>
@@ -6824,7 +6817,6 @@
               <a:rPr lang="en-US" dirty="0" smtClean="0"/>
               <a:t>Auditory and visual indicators </a:t>
             </a:r>
-            <a:endParaRPr lang="en-US" dirty="0" smtClean="0"/>
           </a:p>
         </p:txBody>
       </p:sp>
@@ -6868,8 +6860,8 @@
         </p:blipFill>
         <p:spPr>
           <a:xfrm>
-            <a:off x="5464598" y="1830859"/>
-            <a:ext cx="4257470" cy="3579341"/>
+            <a:off x="4951413" y="1830859"/>
+            <a:ext cx="4770656" cy="4010786"/>
           </a:xfrm>
           <a:prstGeom prst="rect">
             <a:avLst/>
@@ -7036,12 +7028,12 @@
           <a:graphicData uri="http://schemas.openxmlformats.org/presentationml/2006/ole">
             <mc:AlternateContent xmlns:mc="http://schemas.openxmlformats.org/markup-compatibility/2006">
               <mc:Choice xmlns:v="urn:schemas-microsoft-com:vml" Requires="v">
-                <p:oleObj spid="_x0000_s1033" r:id="rId3" imgW="6896100" imgH="4962615" progId="Visio.Drawing.15">
+                <p:oleObj spid="_x0000_s1034" r:id="rId4" imgW="6896100" imgH="4962615" progId="Visio.Drawing.15">
                   <p:embed/>
                 </p:oleObj>
               </mc:Choice>
               <mc:Fallback>
-                <p:oleObj r:id="rId3" imgW="6896100" imgH="4962615" progId="Visio.Drawing.15">
+                <p:oleObj r:id="rId4" imgW="6896100" imgH="4962615" progId="Visio.Drawing.15">
                   <p:embed/>
                   <p:pic>
                     <p:nvPicPr>
@@ -7052,7 +7044,7 @@
                       <p:nvPr/>
                     </p:nvPicPr>
                     <p:blipFill>
-                      <a:blip r:embed="rId4">
+                      <a:blip r:embed="rId5">
                         <a:extLst>
                           <a:ext uri="{28A0092B-C50C-407E-A947-70E740481C1C}">
                             <a14:useLocalDpi xmlns:a14="http://schemas.microsoft.com/office/drawing/2010/main" val="0"/>
@@ -7100,13 +7092,13 @@
   <p:clrMapOvr>
     <a:masterClrMapping/>
   </p:clrMapOvr>
-  <mc:AlternateContent xmlns:mc="http://schemas.openxmlformats.org/markup-compatibility/2006">
-    <mc:Choice xmlns:p14="http://schemas.microsoft.com/office/powerpoint/2010/main" Requires="p14">
+  <mc:AlternateContent xmlns:mc="http://schemas.openxmlformats.org/markup-compatibility/2006" xmlns:p14="http://schemas.microsoft.com/office/powerpoint/2010/main">
+    <mc:Choice Requires="p14">
       <p:transition spd="med" p14:dur="700">
         <p:fade/>
       </p:transition>
     </mc:Choice>
-    <mc:Fallback>
+    <mc:Fallback xmlns="">
       <p:transition spd="med">
         <p:fade/>
       </p:transition>
@@ -7163,15 +7155,39 @@
           </a:p>
         </p:txBody>
       </p:sp>
+      <p:sp>
+        <p:nvSpPr>
+          <p:cNvPr id="5" name="Content Placeholder 4"/>
+          <p:cNvSpPr>
+            <a:spLocks noGrp="1"/>
+          </p:cNvSpPr>
+          <p:nvPr>
+            <p:ph sz="half" idx="2"/>
+          </p:nvPr>
+        </p:nvSpPr>
+        <p:spPr>
+          <a:xfrm>
+            <a:off x="553084" y="5105400"/>
+            <a:ext cx="228600" cy="196890"/>
+          </a:xfrm>
+        </p:spPr>
+        <p:txBody>
+          <a:bodyPr>
+            <a:normAutofit fontScale="25000" lnSpcReduction="20000"/>
+          </a:bodyPr>
+          <a:lstStyle/>
+          <a:p>
+            <a:endParaRPr lang="en-US" dirty="0"/>
+          </a:p>
+        </p:txBody>
+      </p:sp>
       <p:pic>
         <p:nvPicPr>
-          <p:cNvPr id="3" name="Content Placeholder 2"/>
+          <p:cNvPr id="7" name="Picture 6"/>
           <p:cNvPicPr>
-            <a:picLocks noGrp="1" noChangeAspect="1"/>
+            <a:picLocks noChangeAspect="1"/>
           </p:cNvPicPr>
-          <p:nvPr>
-            <p:ph sz="half" idx="1"/>
-          </p:nvPr>
+          <p:nvPr/>
         </p:nvPicPr>
         <p:blipFill>
           <a:blip r:embed="rId2"/>
@@ -7181,62 +7197,63 @@
         </p:blipFill>
         <p:spPr>
           <a:xfrm>
-            <a:off x="888396" y="1805122"/>
-            <a:ext cx="5511287" cy="3704956"/>
+            <a:off x="7669914" y="2787690"/>
+            <a:ext cx="2090430" cy="1739820"/>
           </a:xfrm>
           <a:prstGeom prst="rect">
             <a:avLst/>
           </a:prstGeom>
         </p:spPr>
       </p:pic>
-      <p:sp>
-        <p:nvSpPr>
-          <p:cNvPr id="5" name="Content Placeholder 4"/>
-          <p:cNvSpPr>
-            <a:spLocks noGrp="1"/>
-          </p:cNvSpPr>
-          <p:nvPr>
-            <p:ph sz="half" idx="2"/>
-          </p:nvPr>
-        </p:nvSpPr>
-        <p:spPr>
-          <a:xfrm>
-            <a:off x="6551612" y="2590800"/>
-            <a:ext cx="3048000" cy="2133600"/>
-          </a:xfrm>
-        </p:spPr>
-        <p:txBody>
-          <a:bodyPr/>
-          <a:lstStyle/>
-          <a:p>
-            <a:endParaRPr lang="en-US" dirty="0"/>
-          </a:p>
-        </p:txBody>
-      </p:sp>
       <p:pic>
         <p:nvPicPr>
-          <p:cNvPr id="7" name="Picture 6"/>
+          <p:cNvPr id="8" name="Content Placeholder 2"/>
           <p:cNvPicPr>
             <a:picLocks noChangeAspect="1"/>
           </p:cNvPicPr>
           <p:nvPr/>
         </p:nvPicPr>
-        <p:blipFill>
+        <p:blipFill rotWithShape="1">
           <a:blip r:embed="rId3"/>
-          <a:stretch>
-            <a:fillRect/>
-          </a:stretch>
+          <a:srcRect l="2365" t="12755" r="24320" b="18644"/>
+          <a:stretch/>
         </p:blipFill>
         <p:spPr>
           <a:xfrm>
-            <a:off x="6475412" y="2527380"/>
-            <a:ext cx="3200400" cy="2663624"/>
+            <a:off x="1065212" y="1905000"/>
+            <a:ext cx="6443970" cy="4053466"/>
           </a:xfrm>
           <a:prstGeom prst="rect">
             <a:avLst/>
           </a:prstGeom>
         </p:spPr>
       </p:pic>
+      <p:sp>
+        <p:nvSpPr>
+          <p:cNvPr id="6" name="Content Placeholder 5"/>
+          <p:cNvSpPr>
+            <a:spLocks noGrp="1"/>
+          </p:cNvSpPr>
+          <p:nvPr>
+            <p:ph sz="half" idx="1"/>
+          </p:nvPr>
+        </p:nvSpPr>
+        <p:spPr>
+          <a:xfrm>
+            <a:off x="684212" y="4876800"/>
+            <a:ext cx="45719" cy="76200"/>
+          </a:xfrm>
+        </p:spPr>
+        <p:txBody>
+          <a:bodyPr>
+            <a:normAutofit fontScale="25000" lnSpcReduction="20000"/>
+          </a:bodyPr>
+          <a:lstStyle/>
+          <a:p>
+            <a:endParaRPr lang="en-US" dirty="0"/>
+          </a:p>
+        </p:txBody>
+      </p:sp>
     </p:spTree>
     <p:extLst>
       <p:ext uri="{BB962C8B-B14F-4D97-AF65-F5344CB8AC3E}">
@@ -7539,12 +7556,12 @@
           <a:graphicData uri="http://schemas.openxmlformats.org/presentationml/2006/ole">
             <mc:AlternateContent xmlns:mc="http://schemas.openxmlformats.org/markup-compatibility/2006">
               <mc:Choice xmlns:v="urn:schemas-microsoft-com:vml" Requires="v">
-                <p:oleObj spid="_x0000_s3076" r:id="rId3" imgW="4791143" imgH="5467260" progId="Visio.Drawing.15">
+                <p:oleObj spid="_x0000_s3077" r:id="rId4" imgW="4791143" imgH="5467260" progId="Visio.Drawing.15">
                   <p:embed/>
                 </p:oleObj>
               </mc:Choice>
               <mc:Fallback>
-                <p:oleObj r:id="rId3" imgW="4791143" imgH="5467260" progId="Visio.Drawing.15">
+                <p:oleObj r:id="rId4" imgW="4791143" imgH="5467260" progId="Visio.Drawing.15">
                   <p:embed/>
                   <p:pic>
                     <p:nvPicPr>
@@ -7555,7 +7572,7 @@
                       <p:nvPr/>
                     </p:nvPicPr>
                     <p:blipFill>
-                      <a:blip r:embed="rId4">
+                      <a:blip r:embed="rId5">
                         <a:extLst>
                           <a:ext uri="{28A0092B-C50C-407E-A947-70E740481C1C}">
                             <a14:useLocalDpi xmlns:a14="http://schemas.microsoft.com/office/drawing/2010/main" val="0"/>

--- a/Group Documents/ECE411 Team 11 Suspicious Package Training Aid.pptx
+++ b/Group Documents/ECE411 Team 11 Suspicious Package Training Aid.pptx
@@ -6797,13 +6797,32 @@
           <a:p>
             <a:r>
               <a:rPr lang="en-US" dirty="0" smtClean="0"/>
-              <a:t>Vibration sensor</a:t>
-            </a:r>
+              <a:t>Vibration </a:t>
+            </a:r>
+            <a:r>
+              <a:rPr lang="en-US" dirty="0"/>
+              <a:t>sensor</a:t>
+            </a:r>
+          </a:p>
+          <a:p>
+            <a:r>
+              <a:rPr lang="en-US" dirty="0"/>
+              <a:t>RF detector</a:t>
+            </a:r>
+            <a:endParaRPr lang="en-US" dirty="0" smtClean="0"/>
           </a:p>
           <a:p>
             <a:r>
               <a:rPr lang="en-US" dirty="0" smtClean="0"/>
-              <a:t>RF detector</a:t>
+              <a:t>Auditory </a:t>
+            </a:r>
+            <a:r>
+              <a:rPr lang="en-US" dirty="0" smtClean="0"/>
+              <a:t>and visual </a:t>
+            </a:r>
+            <a:r>
+              <a:rPr lang="en-US" dirty="0" smtClean="0"/>
+              <a:t>indicators</a:t>
             </a:r>
           </a:p>
           <a:p>
@@ -6811,12 +6830,10 @@
               <a:rPr lang="en-US" dirty="0" smtClean="0"/>
               <a:t>Microcontroller</a:t>
             </a:r>
-          </a:p>
-          <a:p>
-            <a:r>
-              <a:rPr lang="en-US" dirty="0" smtClean="0"/>
-              <a:t>Auditory and visual indicators </a:t>
-            </a:r>
+            <a:endParaRPr lang="en-US" dirty="0"/>
+          </a:p>
+          <a:p>
+            <a:endParaRPr lang="en-US" dirty="0" smtClean="0"/>
           </a:p>
         </p:txBody>
       </p:sp>
@@ -7028,7 +7045,7 @@
           <a:graphicData uri="http://schemas.openxmlformats.org/presentationml/2006/ole">
             <mc:AlternateContent xmlns:mc="http://schemas.openxmlformats.org/markup-compatibility/2006">
               <mc:Choice xmlns:v="urn:schemas-microsoft-com:vml" Requires="v">
-                <p:oleObj spid="_x0000_s1034" r:id="rId4" imgW="6896100" imgH="4962615" progId="Visio.Drawing.15">
+                <p:oleObj spid="_x0000_s1035" r:id="rId4" imgW="6896100" imgH="4962615" progId="Visio.Drawing.15">
                   <p:embed/>
                 </p:oleObj>
               </mc:Choice>
@@ -7556,7 +7573,7 @@
           <a:graphicData uri="http://schemas.openxmlformats.org/presentationml/2006/ole">
             <mc:AlternateContent xmlns:mc="http://schemas.openxmlformats.org/markup-compatibility/2006">
               <mc:Choice xmlns:v="urn:schemas-microsoft-com:vml" Requires="v">
-                <p:oleObj spid="_x0000_s3077" r:id="rId4" imgW="4791143" imgH="5467260" progId="Visio.Drawing.15">
+                <p:oleObj spid="_x0000_s3078" r:id="rId4" imgW="4791143" imgH="5467260" progId="Visio.Drawing.15">
                   <p:embed/>
                 </p:oleObj>
               </mc:Choice>
